--- a/Poster.pptx
+++ b/Poster.pptx
@@ -6208,18 +6208,18 @@
               <a:t>In compilers, </a:t>
             </a:r>
             <a:r>
-              <a:rPr lang="en-US" sz="2800" i="1" dirty="0">
+              <a:rPr lang="en-US" sz="2800" b="1" dirty="0">
                 <a:latin typeface="Helvetica" panose="020B0604020202020204" pitchFamily="34" charset="0"/>
                 <a:cs typeface="Helvetica" panose="020B0604020202020204" pitchFamily="34" charset="0"/>
               </a:rPr>
-              <a:t>abstract syntax trees</a:t>
+              <a:t>abstract syntax trees </a:t>
             </a:r>
             <a:r>
               <a:rPr lang="en-US" sz="2800" dirty="0">
                 <a:latin typeface="Helvetica" panose="020B0604020202020204" pitchFamily="34" charset="0"/>
                 <a:cs typeface="Helvetica" panose="020B0604020202020204" pitchFamily="34" charset="0"/>
               </a:rPr>
-              <a:t> are ubiquitous as an intermediate representation of code. Programs are compiled into this tree structure, preserving the fundamental structure and meaning of the code.</a:t>
+              <a:t>are ubiquitous as an intermediate representation of code. Programs are compiled into this tree structure, preserving the fundamental structure and meaning of the code.</a:t>
             </a:r>
           </a:p>
         </p:txBody>
@@ -6239,7 +6239,7 @@
         <p:spPr>
           <a:xfrm>
             <a:off x="-2" y="12262358"/>
-            <a:ext cx="10776405" cy="1015663"/>
+            <a:ext cx="10776405" cy="1446550"/>
           </a:xfrm>
           <a:prstGeom prst="rect">
             <a:avLst/>
@@ -6274,18 +6274,18 @@
               <a:t>Construct </a:t>
             </a:r>
             <a:r>
-              <a:rPr lang="en-US" sz="2800" i="1" dirty="0">
+              <a:rPr lang="en-US" sz="2800" b="1" dirty="0">
                 <a:latin typeface="Helvetica" panose="020B0604020202020204" pitchFamily="34" charset="0"/>
                 <a:cs typeface="Helvetica" panose="020B0604020202020204" pitchFamily="34" charset="0"/>
               </a:rPr>
-              <a:t>co-occurrence matrix</a:t>
+              <a:t>co-occurrence matrix </a:t>
             </a:r>
             <a:r>
               <a:rPr lang="en-US" sz="2800" dirty="0">
                 <a:latin typeface="Helvetica" panose="020B0604020202020204" pitchFamily="34" charset="0"/>
                 <a:cs typeface="Helvetica" panose="020B0604020202020204" pitchFamily="34" charset="0"/>
               </a:rPr>
-              <a:t> from abstract syntax tree nodes:</a:t>
+              <a:t>from abstract syntax tree nodes:</a:t>
             </a:r>
           </a:p>
         </p:txBody>
